--- a/算法竞赛ppt/004_复杂度.pptx
+++ b/算法竞赛ppt/004_复杂度.pptx
@@ -5,13 +5,13 @@
     <p:sldMasterId id="2147483648" r:id="rId1"/>
   </p:sldMasterIdLst>
   <p:sldIdLst>
-    <p:sldId id="256" r:id="rId2"/>
-    <p:sldId id="259" r:id="rId3"/>
-    <p:sldId id="257" r:id="rId4"/>
-    <p:sldId id="260" r:id="rId5"/>
-    <p:sldId id="261" r:id="rId6"/>
-    <p:sldId id="258" r:id="rId7"/>
-    <p:sldId id="262" r:id="rId8"/>
+    <p:sldId id="256" r:id="rId3"/>
+    <p:sldId id="259" r:id="rId4"/>
+    <p:sldId id="257" r:id="rId5"/>
+    <p:sldId id="260" r:id="rId6"/>
+    <p:sldId id="261" r:id="rId7"/>
+    <p:sldId id="258" r:id="rId8"/>
+    <p:sldId id="262" r:id="rId9"/>
   </p:sldIdLst>
   <p:sldSz cx="12192000" cy="6858000"/>
   <p:notesSz cx="6858000" cy="9144000"/>
@@ -110,11 +110,6 @@
       </a:defRPr>
     </a:lvl9pPr>
   </p:defaultTextStyle>
-  <p:extLst>
-    <p:ext uri="{EFAFB233-063F-42B5-8137-9DF3F51BA10A}">
-      <p15:sldGuideLst xmlns:p15="http://schemas.microsoft.com/office/powerpoint/2012/main"/>
-    </p:ext>
-  </p:extLst>
 </p:presentation>
 </file>
 
@@ -163,6 +158,7 @@
               <a:rPr lang="zh-CN" altLang="en-US"/>
               <a:t>单击此处编辑母版标题样式</a:t>
             </a:r>
+            <a:endParaRPr lang="zh-CN" altLang="en-US"/>
           </a:p>
         </p:txBody>
       </p:sp>
@@ -227,6 +223,7 @@
               <a:rPr lang="zh-CN" altLang="en-US"/>
               <a:t>单击此处编辑母版副标题样式</a:t>
             </a:r>
+            <a:endParaRPr lang="zh-CN" altLang="en-US"/>
           </a:p>
         </p:txBody>
       </p:sp>
@@ -247,7 +244,6 @@
           <a:p>
             <a:fld id="{D997B5FA-0921-464F-AAE1-844C04324D75}" type="datetimeFigureOut">
               <a:rPr lang="zh-CN" altLang="en-US" smtClean="0"/>
-              <a:t>2025/6/26</a:t>
             </a:fld>
             <a:endParaRPr lang="zh-CN" altLang="en-US"/>
           </a:p>
@@ -289,7 +285,6 @@
           <a:p>
             <a:fld id="{565CE74E-AB26-4998-AD42-012C4C1AD076}" type="slidenum">
               <a:rPr lang="zh-CN" altLang="en-US" smtClean="0"/>
-              <a:t>‹#›</a:t>
             </a:fld>
             <a:endParaRPr lang="zh-CN" altLang="en-US"/>
           </a:p>
@@ -339,6 +334,7 @@
               <a:rPr lang="zh-CN" altLang="en-US"/>
               <a:t>单击此处编辑母版标题样式</a:t>
             </a:r>
+            <a:endParaRPr lang="zh-CN" altLang="en-US"/>
           </a:p>
         </p:txBody>
       </p:sp>
@@ -362,6 +358,7 @@
               <a:rPr lang="zh-CN" altLang="en-US"/>
               <a:t>单击此处编辑母版文本样式</a:t>
             </a:r>
+            <a:endParaRPr lang="zh-CN" altLang="en-US"/>
           </a:p>
           <a:p>
             <a:pPr lvl="1"/>
@@ -369,6 +366,7 @@
               <a:rPr lang="zh-CN" altLang="en-US"/>
               <a:t>第二级</a:t>
             </a:r>
+            <a:endParaRPr lang="zh-CN" altLang="en-US"/>
           </a:p>
           <a:p>
             <a:pPr lvl="2"/>
@@ -376,6 +374,7 @@
               <a:rPr lang="zh-CN" altLang="en-US"/>
               <a:t>第三级</a:t>
             </a:r>
+            <a:endParaRPr lang="zh-CN" altLang="en-US"/>
           </a:p>
           <a:p>
             <a:pPr lvl="3"/>
@@ -383,6 +382,7 @@
               <a:rPr lang="zh-CN" altLang="en-US"/>
               <a:t>第四级</a:t>
             </a:r>
+            <a:endParaRPr lang="zh-CN" altLang="en-US"/>
           </a:p>
           <a:p>
             <a:pPr lvl="4"/>
@@ -390,6 +390,7 @@
               <a:rPr lang="zh-CN" altLang="en-US"/>
               <a:t>第五级</a:t>
             </a:r>
+            <a:endParaRPr lang="zh-CN" altLang="en-US"/>
           </a:p>
         </p:txBody>
       </p:sp>
@@ -410,7 +411,6 @@
           <a:p>
             <a:fld id="{D997B5FA-0921-464F-AAE1-844C04324D75}" type="datetimeFigureOut">
               <a:rPr lang="zh-CN" altLang="en-US" smtClean="0"/>
-              <a:t>2025/6/26</a:t>
             </a:fld>
             <a:endParaRPr lang="zh-CN" altLang="en-US"/>
           </a:p>
@@ -452,7 +452,6 @@
           <a:p>
             <a:fld id="{565CE74E-AB26-4998-AD42-012C4C1AD076}" type="slidenum">
               <a:rPr lang="zh-CN" altLang="en-US" smtClean="0"/>
-              <a:t>‹#›</a:t>
             </a:fld>
             <a:endParaRPr lang="zh-CN" altLang="en-US"/>
           </a:p>
@@ -507,6 +506,7 @@
               <a:rPr lang="zh-CN" altLang="en-US"/>
               <a:t>单击此处编辑母版标题样式</a:t>
             </a:r>
+            <a:endParaRPr lang="zh-CN" altLang="en-US"/>
           </a:p>
         </p:txBody>
       </p:sp>
@@ -535,6 +535,7 @@
               <a:rPr lang="zh-CN" altLang="en-US"/>
               <a:t>单击此处编辑母版文本样式</a:t>
             </a:r>
+            <a:endParaRPr lang="zh-CN" altLang="en-US"/>
           </a:p>
           <a:p>
             <a:pPr lvl="1"/>
@@ -542,6 +543,7 @@
               <a:rPr lang="zh-CN" altLang="en-US"/>
               <a:t>第二级</a:t>
             </a:r>
+            <a:endParaRPr lang="zh-CN" altLang="en-US"/>
           </a:p>
           <a:p>
             <a:pPr lvl="2"/>
@@ -549,6 +551,7 @@
               <a:rPr lang="zh-CN" altLang="en-US"/>
               <a:t>第三级</a:t>
             </a:r>
+            <a:endParaRPr lang="zh-CN" altLang="en-US"/>
           </a:p>
           <a:p>
             <a:pPr lvl="3"/>
@@ -556,6 +559,7 @@
               <a:rPr lang="zh-CN" altLang="en-US"/>
               <a:t>第四级</a:t>
             </a:r>
+            <a:endParaRPr lang="zh-CN" altLang="en-US"/>
           </a:p>
           <a:p>
             <a:pPr lvl="4"/>
@@ -563,6 +567,7 @@
               <a:rPr lang="zh-CN" altLang="en-US"/>
               <a:t>第五级</a:t>
             </a:r>
+            <a:endParaRPr lang="zh-CN" altLang="en-US"/>
           </a:p>
         </p:txBody>
       </p:sp>
@@ -583,7 +588,6 @@
           <a:p>
             <a:fld id="{D997B5FA-0921-464F-AAE1-844C04324D75}" type="datetimeFigureOut">
               <a:rPr lang="zh-CN" altLang="en-US" smtClean="0"/>
-              <a:t>2025/6/26</a:t>
             </a:fld>
             <a:endParaRPr lang="zh-CN" altLang="en-US"/>
           </a:p>
@@ -625,7 +629,6 @@
           <a:p>
             <a:fld id="{565CE74E-AB26-4998-AD42-012C4C1AD076}" type="slidenum">
               <a:rPr lang="zh-CN" altLang="en-US" smtClean="0"/>
-              <a:t>‹#›</a:t>
             </a:fld>
             <a:endParaRPr lang="zh-CN" altLang="en-US"/>
           </a:p>
@@ -675,6 +678,7 @@
               <a:rPr lang="zh-CN" altLang="en-US"/>
               <a:t>单击此处编辑母版标题样式</a:t>
             </a:r>
+            <a:endParaRPr lang="zh-CN" altLang="en-US"/>
           </a:p>
         </p:txBody>
       </p:sp>
@@ -698,6 +702,7 @@
               <a:rPr lang="zh-CN" altLang="en-US"/>
               <a:t>单击此处编辑母版文本样式</a:t>
             </a:r>
+            <a:endParaRPr lang="zh-CN" altLang="en-US"/>
           </a:p>
           <a:p>
             <a:pPr lvl="1"/>
@@ -705,6 +710,7 @@
               <a:rPr lang="zh-CN" altLang="en-US"/>
               <a:t>第二级</a:t>
             </a:r>
+            <a:endParaRPr lang="zh-CN" altLang="en-US"/>
           </a:p>
           <a:p>
             <a:pPr lvl="2"/>
@@ -712,6 +718,7 @@
               <a:rPr lang="zh-CN" altLang="en-US"/>
               <a:t>第三级</a:t>
             </a:r>
+            <a:endParaRPr lang="zh-CN" altLang="en-US"/>
           </a:p>
           <a:p>
             <a:pPr lvl="3"/>
@@ -719,6 +726,7 @@
               <a:rPr lang="zh-CN" altLang="en-US"/>
               <a:t>第四级</a:t>
             </a:r>
+            <a:endParaRPr lang="zh-CN" altLang="en-US"/>
           </a:p>
           <a:p>
             <a:pPr lvl="4"/>
@@ -726,6 +734,7 @@
               <a:rPr lang="zh-CN" altLang="en-US"/>
               <a:t>第五级</a:t>
             </a:r>
+            <a:endParaRPr lang="zh-CN" altLang="en-US"/>
           </a:p>
         </p:txBody>
       </p:sp>
@@ -746,7 +755,6 @@
           <a:p>
             <a:fld id="{D997B5FA-0921-464F-AAE1-844C04324D75}" type="datetimeFigureOut">
               <a:rPr lang="zh-CN" altLang="en-US" smtClean="0"/>
-              <a:t>2025/6/26</a:t>
             </a:fld>
             <a:endParaRPr lang="zh-CN" altLang="en-US"/>
           </a:p>
@@ -788,7 +796,6 @@
           <a:p>
             <a:fld id="{565CE74E-AB26-4998-AD42-012C4C1AD076}" type="slidenum">
               <a:rPr lang="zh-CN" altLang="en-US" smtClean="0"/>
-              <a:t>‹#›</a:t>
             </a:fld>
             <a:endParaRPr lang="zh-CN" altLang="en-US"/>
           </a:p>
@@ -847,6 +854,7 @@
               <a:rPr lang="zh-CN" altLang="en-US"/>
               <a:t>单击此处编辑母版标题样式</a:t>
             </a:r>
+            <a:endParaRPr lang="zh-CN" altLang="en-US"/>
           </a:p>
         </p:txBody>
       </p:sp>
@@ -966,6 +974,7 @@
               <a:rPr lang="zh-CN" altLang="en-US"/>
               <a:t>单击此处编辑母版文本样式</a:t>
             </a:r>
+            <a:endParaRPr lang="zh-CN" altLang="en-US"/>
           </a:p>
         </p:txBody>
       </p:sp>
@@ -986,7 +995,6 @@
           <a:p>
             <a:fld id="{D997B5FA-0921-464F-AAE1-844C04324D75}" type="datetimeFigureOut">
               <a:rPr lang="zh-CN" altLang="en-US" smtClean="0"/>
-              <a:t>2025/6/26</a:t>
             </a:fld>
             <a:endParaRPr lang="zh-CN" altLang="en-US"/>
           </a:p>
@@ -1028,7 +1036,6 @@
           <a:p>
             <a:fld id="{565CE74E-AB26-4998-AD42-012C4C1AD076}" type="slidenum">
               <a:rPr lang="zh-CN" altLang="en-US" smtClean="0"/>
-              <a:t>‹#›</a:t>
             </a:fld>
             <a:endParaRPr lang="zh-CN" altLang="en-US"/>
           </a:p>
@@ -1078,6 +1085,7 @@
               <a:rPr lang="zh-CN" altLang="en-US"/>
               <a:t>单击此处编辑母版标题样式</a:t>
             </a:r>
+            <a:endParaRPr lang="zh-CN" altLang="en-US"/>
           </a:p>
         </p:txBody>
       </p:sp>
@@ -1106,6 +1114,7 @@
               <a:rPr lang="zh-CN" altLang="en-US"/>
               <a:t>单击此处编辑母版文本样式</a:t>
             </a:r>
+            <a:endParaRPr lang="zh-CN" altLang="en-US"/>
           </a:p>
           <a:p>
             <a:pPr lvl="1"/>
@@ -1113,6 +1122,7 @@
               <a:rPr lang="zh-CN" altLang="en-US"/>
               <a:t>第二级</a:t>
             </a:r>
+            <a:endParaRPr lang="zh-CN" altLang="en-US"/>
           </a:p>
           <a:p>
             <a:pPr lvl="2"/>
@@ -1120,6 +1130,7 @@
               <a:rPr lang="zh-CN" altLang="en-US"/>
               <a:t>第三级</a:t>
             </a:r>
+            <a:endParaRPr lang="zh-CN" altLang="en-US"/>
           </a:p>
           <a:p>
             <a:pPr lvl="3"/>
@@ -1127,6 +1138,7 @@
               <a:rPr lang="zh-CN" altLang="en-US"/>
               <a:t>第四级</a:t>
             </a:r>
+            <a:endParaRPr lang="zh-CN" altLang="en-US"/>
           </a:p>
           <a:p>
             <a:pPr lvl="4"/>
@@ -1134,6 +1146,7 @@
               <a:rPr lang="zh-CN" altLang="en-US"/>
               <a:t>第五级</a:t>
             </a:r>
+            <a:endParaRPr lang="zh-CN" altLang="en-US"/>
           </a:p>
         </p:txBody>
       </p:sp>
@@ -1162,6 +1175,7 @@
               <a:rPr lang="zh-CN" altLang="en-US"/>
               <a:t>单击此处编辑母版文本样式</a:t>
             </a:r>
+            <a:endParaRPr lang="zh-CN" altLang="en-US"/>
           </a:p>
           <a:p>
             <a:pPr lvl="1"/>
@@ -1169,6 +1183,7 @@
               <a:rPr lang="zh-CN" altLang="en-US"/>
               <a:t>第二级</a:t>
             </a:r>
+            <a:endParaRPr lang="zh-CN" altLang="en-US"/>
           </a:p>
           <a:p>
             <a:pPr lvl="2"/>
@@ -1176,6 +1191,7 @@
               <a:rPr lang="zh-CN" altLang="en-US"/>
               <a:t>第三级</a:t>
             </a:r>
+            <a:endParaRPr lang="zh-CN" altLang="en-US"/>
           </a:p>
           <a:p>
             <a:pPr lvl="3"/>
@@ -1183,6 +1199,7 @@
               <a:rPr lang="zh-CN" altLang="en-US"/>
               <a:t>第四级</a:t>
             </a:r>
+            <a:endParaRPr lang="zh-CN" altLang="en-US"/>
           </a:p>
           <a:p>
             <a:pPr lvl="4"/>
@@ -1190,6 +1207,7 @@
               <a:rPr lang="zh-CN" altLang="en-US"/>
               <a:t>第五级</a:t>
             </a:r>
+            <a:endParaRPr lang="zh-CN" altLang="en-US"/>
           </a:p>
         </p:txBody>
       </p:sp>
@@ -1210,7 +1228,6 @@
           <a:p>
             <a:fld id="{D997B5FA-0921-464F-AAE1-844C04324D75}" type="datetimeFigureOut">
               <a:rPr lang="zh-CN" altLang="en-US" smtClean="0"/>
-              <a:t>2025/6/26</a:t>
             </a:fld>
             <a:endParaRPr lang="zh-CN" altLang="en-US"/>
           </a:p>
@@ -1252,7 +1269,6 @@
           <a:p>
             <a:fld id="{565CE74E-AB26-4998-AD42-012C4C1AD076}" type="slidenum">
               <a:rPr lang="zh-CN" altLang="en-US" smtClean="0"/>
-              <a:t>‹#›</a:t>
             </a:fld>
             <a:endParaRPr lang="zh-CN" altLang="en-US"/>
           </a:p>
@@ -1307,6 +1323,7 @@
               <a:rPr lang="zh-CN" altLang="en-US"/>
               <a:t>单击此处编辑母版标题样式</a:t>
             </a:r>
+            <a:endParaRPr lang="zh-CN" altLang="en-US"/>
           </a:p>
         </p:txBody>
       </p:sp>
@@ -1372,6 +1389,7 @@
               <a:rPr lang="zh-CN" altLang="en-US"/>
               <a:t>单击此处编辑母版文本样式</a:t>
             </a:r>
+            <a:endParaRPr lang="zh-CN" altLang="en-US"/>
           </a:p>
         </p:txBody>
       </p:sp>
@@ -1400,6 +1418,7 @@
               <a:rPr lang="zh-CN" altLang="en-US"/>
               <a:t>单击此处编辑母版文本样式</a:t>
             </a:r>
+            <a:endParaRPr lang="zh-CN" altLang="en-US"/>
           </a:p>
           <a:p>
             <a:pPr lvl="1"/>
@@ -1407,6 +1426,7 @@
               <a:rPr lang="zh-CN" altLang="en-US"/>
               <a:t>第二级</a:t>
             </a:r>
+            <a:endParaRPr lang="zh-CN" altLang="en-US"/>
           </a:p>
           <a:p>
             <a:pPr lvl="2"/>
@@ -1414,6 +1434,7 @@
               <a:rPr lang="zh-CN" altLang="en-US"/>
               <a:t>第三级</a:t>
             </a:r>
+            <a:endParaRPr lang="zh-CN" altLang="en-US"/>
           </a:p>
           <a:p>
             <a:pPr lvl="3"/>
@@ -1421,6 +1442,7 @@
               <a:rPr lang="zh-CN" altLang="en-US"/>
               <a:t>第四级</a:t>
             </a:r>
+            <a:endParaRPr lang="zh-CN" altLang="en-US"/>
           </a:p>
           <a:p>
             <a:pPr lvl="4"/>
@@ -1428,6 +1450,7 @@
               <a:rPr lang="zh-CN" altLang="en-US"/>
               <a:t>第五级</a:t>
             </a:r>
+            <a:endParaRPr lang="zh-CN" altLang="en-US"/>
           </a:p>
         </p:txBody>
       </p:sp>
@@ -1493,6 +1516,7 @@
               <a:rPr lang="zh-CN" altLang="en-US"/>
               <a:t>单击此处编辑母版文本样式</a:t>
             </a:r>
+            <a:endParaRPr lang="zh-CN" altLang="en-US"/>
           </a:p>
         </p:txBody>
       </p:sp>
@@ -1521,6 +1545,7 @@
               <a:rPr lang="zh-CN" altLang="en-US"/>
               <a:t>单击此处编辑母版文本样式</a:t>
             </a:r>
+            <a:endParaRPr lang="zh-CN" altLang="en-US"/>
           </a:p>
           <a:p>
             <a:pPr lvl="1"/>
@@ -1528,6 +1553,7 @@
               <a:rPr lang="zh-CN" altLang="en-US"/>
               <a:t>第二级</a:t>
             </a:r>
+            <a:endParaRPr lang="zh-CN" altLang="en-US"/>
           </a:p>
           <a:p>
             <a:pPr lvl="2"/>
@@ -1535,6 +1561,7 @@
               <a:rPr lang="zh-CN" altLang="en-US"/>
               <a:t>第三级</a:t>
             </a:r>
+            <a:endParaRPr lang="zh-CN" altLang="en-US"/>
           </a:p>
           <a:p>
             <a:pPr lvl="3"/>
@@ -1542,6 +1569,7 @@
               <a:rPr lang="zh-CN" altLang="en-US"/>
               <a:t>第四级</a:t>
             </a:r>
+            <a:endParaRPr lang="zh-CN" altLang="en-US"/>
           </a:p>
           <a:p>
             <a:pPr lvl="4"/>
@@ -1549,6 +1577,7 @@
               <a:rPr lang="zh-CN" altLang="en-US"/>
               <a:t>第五级</a:t>
             </a:r>
+            <a:endParaRPr lang="zh-CN" altLang="en-US"/>
           </a:p>
         </p:txBody>
       </p:sp>
@@ -1569,7 +1598,6 @@
           <a:p>
             <a:fld id="{D997B5FA-0921-464F-AAE1-844C04324D75}" type="datetimeFigureOut">
               <a:rPr lang="zh-CN" altLang="en-US" smtClean="0"/>
-              <a:t>2025/6/26</a:t>
             </a:fld>
             <a:endParaRPr lang="zh-CN" altLang="en-US"/>
           </a:p>
@@ -1611,7 +1639,6 @@
           <a:p>
             <a:fld id="{565CE74E-AB26-4998-AD42-012C4C1AD076}" type="slidenum">
               <a:rPr lang="zh-CN" altLang="en-US" smtClean="0"/>
-              <a:t>‹#›</a:t>
             </a:fld>
             <a:endParaRPr lang="zh-CN" altLang="en-US"/>
           </a:p>
@@ -1661,6 +1688,7 @@
               <a:rPr lang="zh-CN" altLang="en-US"/>
               <a:t>单击此处编辑母版标题样式</a:t>
             </a:r>
+            <a:endParaRPr lang="zh-CN" altLang="en-US"/>
           </a:p>
         </p:txBody>
       </p:sp>
@@ -1681,7 +1709,6 @@
           <a:p>
             <a:fld id="{D997B5FA-0921-464F-AAE1-844C04324D75}" type="datetimeFigureOut">
               <a:rPr lang="zh-CN" altLang="en-US" smtClean="0"/>
-              <a:t>2025/6/26</a:t>
             </a:fld>
             <a:endParaRPr lang="zh-CN" altLang="en-US"/>
           </a:p>
@@ -1723,7 +1750,6 @@
           <a:p>
             <a:fld id="{565CE74E-AB26-4998-AD42-012C4C1AD076}" type="slidenum">
               <a:rPr lang="zh-CN" altLang="en-US" smtClean="0"/>
-              <a:t>‹#›</a:t>
             </a:fld>
             <a:endParaRPr lang="zh-CN" altLang="en-US"/>
           </a:p>
@@ -1771,7 +1797,6 @@
           <a:p>
             <a:fld id="{D997B5FA-0921-464F-AAE1-844C04324D75}" type="datetimeFigureOut">
               <a:rPr lang="zh-CN" altLang="en-US" smtClean="0"/>
-              <a:t>2025/6/26</a:t>
             </a:fld>
             <a:endParaRPr lang="zh-CN" altLang="en-US"/>
           </a:p>
@@ -1813,7 +1838,6 @@
           <a:p>
             <a:fld id="{565CE74E-AB26-4998-AD42-012C4C1AD076}" type="slidenum">
               <a:rPr lang="zh-CN" altLang="en-US" smtClean="0"/>
-              <a:t>‹#›</a:t>
             </a:fld>
             <a:endParaRPr lang="zh-CN" altLang="en-US"/>
           </a:p>
@@ -1872,6 +1896,7 @@
               <a:rPr lang="zh-CN" altLang="en-US"/>
               <a:t>单击此处编辑母版标题样式</a:t>
             </a:r>
+            <a:endParaRPr lang="zh-CN" altLang="en-US"/>
           </a:p>
         </p:txBody>
       </p:sp>
@@ -1928,6 +1953,7 @@
               <a:rPr lang="zh-CN" altLang="en-US"/>
               <a:t>单击此处编辑母版文本样式</a:t>
             </a:r>
+            <a:endParaRPr lang="zh-CN" altLang="en-US"/>
           </a:p>
           <a:p>
             <a:pPr lvl="1"/>
@@ -1935,6 +1961,7 @@
               <a:rPr lang="zh-CN" altLang="en-US"/>
               <a:t>第二级</a:t>
             </a:r>
+            <a:endParaRPr lang="zh-CN" altLang="en-US"/>
           </a:p>
           <a:p>
             <a:pPr lvl="2"/>
@@ -1942,6 +1969,7 @@
               <a:rPr lang="zh-CN" altLang="en-US"/>
               <a:t>第三级</a:t>
             </a:r>
+            <a:endParaRPr lang="zh-CN" altLang="en-US"/>
           </a:p>
           <a:p>
             <a:pPr lvl="3"/>
@@ -1949,6 +1977,7 @@
               <a:rPr lang="zh-CN" altLang="en-US"/>
               <a:t>第四级</a:t>
             </a:r>
+            <a:endParaRPr lang="zh-CN" altLang="en-US"/>
           </a:p>
           <a:p>
             <a:pPr lvl="4"/>
@@ -1956,6 +1985,7 @@
               <a:rPr lang="zh-CN" altLang="en-US"/>
               <a:t>第五级</a:t>
             </a:r>
+            <a:endParaRPr lang="zh-CN" altLang="en-US"/>
           </a:p>
         </p:txBody>
       </p:sp>
@@ -2021,6 +2051,7 @@
               <a:rPr lang="zh-CN" altLang="en-US"/>
               <a:t>单击此处编辑母版文本样式</a:t>
             </a:r>
+            <a:endParaRPr lang="zh-CN" altLang="en-US"/>
           </a:p>
         </p:txBody>
       </p:sp>
@@ -2041,7 +2072,6 @@
           <a:p>
             <a:fld id="{D997B5FA-0921-464F-AAE1-844C04324D75}" type="datetimeFigureOut">
               <a:rPr lang="zh-CN" altLang="en-US" smtClean="0"/>
-              <a:t>2025/6/26</a:t>
             </a:fld>
             <a:endParaRPr lang="zh-CN" altLang="en-US"/>
           </a:p>
@@ -2083,7 +2113,6 @@
           <a:p>
             <a:fld id="{565CE74E-AB26-4998-AD42-012C4C1AD076}" type="slidenum">
               <a:rPr lang="zh-CN" altLang="en-US" smtClean="0"/>
-              <a:t>‹#›</a:t>
             </a:fld>
             <a:endParaRPr lang="zh-CN" altLang="en-US"/>
           </a:p>
@@ -2142,6 +2171,7 @@
               <a:rPr lang="zh-CN" altLang="en-US"/>
               <a:t>单击此处编辑母版标题样式</a:t>
             </a:r>
+            <a:endParaRPr lang="zh-CN" altLang="en-US"/>
           </a:p>
         </p:txBody>
       </p:sp>
@@ -2268,6 +2298,7 @@
               <a:rPr lang="zh-CN" altLang="en-US"/>
               <a:t>单击此处编辑母版文本样式</a:t>
             </a:r>
+            <a:endParaRPr lang="zh-CN" altLang="en-US"/>
           </a:p>
         </p:txBody>
       </p:sp>
@@ -2288,7 +2319,6 @@
           <a:p>
             <a:fld id="{D997B5FA-0921-464F-AAE1-844C04324D75}" type="datetimeFigureOut">
               <a:rPr lang="zh-CN" altLang="en-US" smtClean="0"/>
-              <a:t>2025/6/26</a:t>
             </a:fld>
             <a:endParaRPr lang="zh-CN" altLang="en-US"/>
           </a:p>
@@ -2330,7 +2360,6 @@
           <a:p>
             <a:fld id="{565CE74E-AB26-4998-AD42-012C4C1AD076}" type="slidenum">
               <a:rPr lang="zh-CN" altLang="en-US" smtClean="0"/>
-              <a:t>‹#›</a:t>
             </a:fld>
             <a:endParaRPr lang="zh-CN" altLang="en-US"/>
           </a:p>
@@ -2395,6 +2424,7 @@
               <a:rPr lang="zh-CN" altLang="en-US"/>
               <a:t>单击此处编辑母版标题样式</a:t>
             </a:r>
+            <a:endParaRPr lang="zh-CN" altLang="en-US"/>
           </a:p>
         </p:txBody>
       </p:sp>
@@ -2428,6 +2458,7 @@
               <a:rPr lang="zh-CN" altLang="en-US"/>
               <a:t>单击此处编辑母版文本样式</a:t>
             </a:r>
+            <a:endParaRPr lang="zh-CN" altLang="en-US"/>
           </a:p>
           <a:p>
             <a:pPr lvl="1"/>
@@ -2435,6 +2466,7 @@
               <a:rPr lang="zh-CN" altLang="en-US"/>
               <a:t>第二级</a:t>
             </a:r>
+            <a:endParaRPr lang="zh-CN" altLang="en-US"/>
           </a:p>
           <a:p>
             <a:pPr lvl="2"/>
@@ -2442,6 +2474,7 @@
               <a:rPr lang="zh-CN" altLang="en-US"/>
               <a:t>第三级</a:t>
             </a:r>
+            <a:endParaRPr lang="zh-CN" altLang="en-US"/>
           </a:p>
           <a:p>
             <a:pPr lvl="3"/>
@@ -2449,6 +2482,7 @@
               <a:rPr lang="zh-CN" altLang="en-US"/>
               <a:t>第四级</a:t>
             </a:r>
+            <a:endParaRPr lang="zh-CN" altLang="en-US"/>
           </a:p>
           <a:p>
             <a:pPr lvl="4"/>
@@ -2456,6 +2490,7 @@
               <a:rPr lang="zh-CN" altLang="en-US"/>
               <a:t>第五级</a:t>
             </a:r>
+            <a:endParaRPr lang="zh-CN" altLang="en-US"/>
           </a:p>
         </p:txBody>
       </p:sp>
@@ -2494,7 +2529,6 @@
           <a:p>
             <a:fld id="{D997B5FA-0921-464F-AAE1-844C04324D75}" type="datetimeFigureOut">
               <a:rPr lang="zh-CN" altLang="en-US" smtClean="0"/>
-              <a:t>2025/6/26</a:t>
             </a:fld>
             <a:endParaRPr lang="zh-CN" altLang="en-US"/>
           </a:p>
@@ -2572,7 +2606,6 @@
           <a:p>
             <a:fld id="{565CE74E-AB26-4998-AD42-012C4C1AD076}" type="slidenum">
               <a:rPr lang="zh-CN" altLang="en-US" smtClean="0"/>
-              <a:t>‹#›</a:t>
             </a:fld>
             <a:endParaRPr lang="zh-CN" altLang="en-US"/>
           </a:p>
@@ -2896,13 +2929,7 @@
       </p:grpSpPr>
       <p:sp>
         <p:nvSpPr>
-          <p:cNvPr id="2" name="标题 1">
-            <a:extLst>
-              <a:ext uri="{FF2B5EF4-FFF2-40B4-BE49-F238E27FC236}">
-                <a16:creationId xmlns:a16="http://schemas.microsoft.com/office/drawing/2014/main" id="{5FEC7340-57BA-8FD3-B45C-6A8FA2FF14E4}"/>
-              </a:ext>
-            </a:extLst>
-          </p:cNvPr>
+          <p:cNvPr id="2" name="标题 1"/>
           <p:cNvSpPr>
             <a:spLocks noGrp="1"/>
           </p:cNvSpPr>
@@ -2919,18 +2946,13 @@
               <a:rPr lang="zh-CN" altLang="en-US" dirty="0"/>
               <a:t>复杂度</a:t>
             </a:r>
-          </a:p>
-        </p:txBody>
-      </p:sp>
-      <p:sp>
-        <p:nvSpPr>
-          <p:cNvPr id="3" name="副标题 2">
-            <a:extLst>
-              <a:ext uri="{FF2B5EF4-FFF2-40B4-BE49-F238E27FC236}">
-                <a16:creationId xmlns:a16="http://schemas.microsoft.com/office/drawing/2014/main" id="{F934D57B-C761-C252-1945-49F146DB7E1D}"/>
-              </a:ext>
-            </a:extLst>
-          </p:cNvPr>
+            <a:endParaRPr lang="zh-CN" altLang="en-US" dirty="0"/>
+          </a:p>
+        </p:txBody>
+      </p:sp>
+      <p:sp>
+        <p:nvSpPr>
+          <p:cNvPr id="3" name="副标题 2"/>
           <p:cNvSpPr>
             <a:spLocks noGrp="1"/>
           </p:cNvSpPr>
@@ -2994,11 +3016,6 @@
         </p:txBody>
       </p:sp>
     </p:spTree>
-    <p:extLst>
-      <p:ext uri="{BB962C8B-B14F-4D97-AF65-F5344CB8AC3E}">
-        <p14:creationId xmlns:p14="http://schemas.microsoft.com/office/powerpoint/2010/main" val="2142478415"/>
-      </p:ext>
-    </p:extLst>
   </p:cSld>
   <p:clrMapOvr>
     <a:masterClrMapping/>
@@ -3025,13 +3042,7 @@
       </p:grpSpPr>
       <p:sp>
         <p:nvSpPr>
-          <p:cNvPr id="2" name="标题 1">
-            <a:extLst>
-              <a:ext uri="{FF2B5EF4-FFF2-40B4-BE49-F238E27FC236}">
-                <a16:creationId xmlns:a16="http://schemas.microsoft.com/office/drawing/2014/main" id="{1D1D16C4-30BE-B8B5-97EB-5EFBB33F6B31}"/>
-              </a:ext>
-            </a:extLst>
-          </p:cNvPr>
+          <p:cNvPr id="2" name="标题 1"/>
           <p:cNvSpPr>
             <a:spLocks noGrp="1"/>
           </p:cNvSpPr>
@@ -3048,18 +3059,13 @@
               <a:rPr lang="zh-CN" altLang="en-US" dirty="0"/>
               <a:t>复杂度</a:t>
             </a:r>
-          </a:p>
-        </p:txBody>
-      </p:sp>
-      <p:sp>
-        <p:nvSpPr>
-          <p:cNvPr id="3" name="内容占位符 2">
-            <a:extLst>
-              <a:ext uri="{FF2B5EF4-FFF2-40B4-BE49-F238E27FC236}">
-                <a16:creationId xmlns:a16="http://schemas.microsoft.com/office/drawing/2014/main" id="{56C20D4F-B110-0BA2-D918-C4CE7323615F}"/>
-              </a:ext>
-            </a:extLst>
-          </p:cNvPr>
+            <a:endParaRPr lang="zh-CN" altLang="en-US" dirty="0"/>
+          </a:p>
+        </p:txBody>
+      </p:sp>
+      <p:sp>
+        <p:nvSpPr>
+          <p:cNvPr id="3" name="内容占位符 2"/>
           <p:cNvSpPr>
             <a:spLocks noGrp="1"/>
           </p:cNvSpPr>
@@ -3076,15 +3082,11 @@
               <a:rPr lang="zh-CN" altLang="en-US" dirty="0"/>
               <a:t>时间复杂度和空间复杂度是衡量一个算法效率的重要标准。</a:t>
             </a:r>
+            <a:endParaRPr lang="zh-CN" altLang="en-US" dirty="0"/>
           </a:p>
         </p:txBody>
       </p:sp>
     </p:spTree>
-    <p:extLst>
-      <p:ext uri="{BB962C8B-B14F-4D97-AF65-F5344CB8AC3E}">
-        <p14:creationId xmlns:p14="http://schemas.microsoft.com/office/powerpoint/2010/main" val="3424873021"/>
-      </p:ext>
-    </p:extLst>
   </p:cSld>
   <p:clrMapOvr>
     <a:masterClrMapping/>
@@ -3111,13 +3113,7 @@
       </p:grpSpPr>
       <p:sp>
         <p:nvSpPr>
-          <p:cNvPr id="2" name="标题 1">
-            <a:extLst>
-              <a:ext uri="{FF2B5EF4-FFF2-40B4-BE49-F238E27FC236}">
-                <a16:creationId xmlns:a16="http://schemas.microsoft.com/office/drawing/2014/main" id="{BEBBC64A-FAAD-77FB-5E63-332359217147}"/>
-              </a:ext>
-            </a:extLst>
-          </p:cNvPr>
+          <p:cNvPr id="2" name="标题 1"/>
           <p:cNvSpPr>
             <a:spLocks noGrp="1"/>
           </p:cNvSpPr>
@@ -3143,13 +3139,7 @@
       </p:sp>
       <p:sp>
         <p:nvSpPr>
-          <p:cNvPr id="3" name="内容占位符 2">
-            <a:extLst>
-              <a:ext uri="{FF2B5EF4-FFF2-40B4-BE49-F238E27FC236}">
-                <a16:creationId xmlns:a16="http://schemas.microsoft.com/office/drawing/2014/main" id="{B0B1F22F-C435-A0CC-6170-EB2A2FAD7589}"/>
-              </a:ext>
-            </a:extLst>
-          </p:cNvPr>
+          <p:cNvPr id="3" name="内容占位符 2"/>
           <p:cNvSpPr>
             <a:spLocks noGrp="1"/>
           </p:cNvSpPr>
@@ -3171,17 +3161,17 @@
           <a:p>
             <a:r>
               <a:rPr lang="zh-CN" altLang="en-US" dirty="0"/>
-              <a:t>在普通的计算机上，加减乘除、访问变量（基本数据类型的变量，下同）、给变量赋值等都可以看作基本操作。</a:t>
-            </a:r>
+              <a:t>在普通的计算机上，加减乘除、访问变量（基本数据类型的变量，下同）、给变量赋值等都可以看作基本操作。（</a:t>
+            </a:r>
+            <a:r>
+              <a:rPr lang="zh-CN" altLang="en-US" dirty="0"/>
+              <a:t>代码）</a:t>
+            </a:r>
+            <a:endParaRPr lang="zh-CN" altLang="en-US" dirty="0"/>
           </a:p>
         </p:txBody>
       </p:sp>
     </p:spTree>
-    <p:extLst>
-      <p:ext uri="{BB962C8B-B14F-4D97-AF65-F5344CB8AC3E}">
-        <p14:creationId xmlns:p14="http://schemas.microsoft.com/office/powerpoint/2010/main" val="2311454680"/>
-      </p:ext>
-    </p:extLst>
   </p:cSld>
   <p:clrMapOvr>
     <a:masterClrMapping/>
@@ -3208,13 +3198,7 @@
       </p:grpSpPr>
       <p:sp>
         <p:nvSpPr>
-          <p:cNvPr id="2" name="标题 1">
-            <a:extLst>
-              <a:ext uri="{FF2B5EF4-FFF2-40B4-BE49-F238E27FC236}">
-                <a16:creationId xmlns:a16="http://schemas.microsoft.com/office/drawing/2014/main" id="{39332316-F22B-75B7-DC3F-09460719A7DB}"/>
-              </a:ext>
-            </a:extLst>
-          </p:cNvPr>
+          <p:cNvPr id="2" name="标题 1"/>
           <p:cNvSpPr>
             <a:spLocks noGrp="1"/>
           </p:cNvSpPr>
@@ -3231,18 +3215,13 @@
               <a:rPr lang="zh-CN" altLang="en-US" dirty="0"/>
               <a:t>时间复杂度</a:t>
             </a:r>
-          </a:p>
-        </p:txBody>
-      </p:sp>
-      <p:sp>
-        <p:nvSpPr>
-          <p:cNvPr id="3" name="内容占位符 2">
-            <a:extLst>
-              <a:ext uri="{FF2B5EF4-FFF2-40B4-BE49-F238E27FC236}">
-                <a16:creationId xmlns:a16="http://schemas.microsoft.com/office/drawing/2014/main" id="{20DF242D-B9DF-BC10-C52A-9E52C3915545}"/>
-              </a:ext>
-            </a:extLst>
-          </p:cNvPr>
+            <a:endParaRPr lang="zh-CN" altLang="en-US" dirty="0"/>
+          </a:p>
+        </p:txBody>
+      </p:sp>
+      <p:sp>
+        <p:nvSpPr>
+          <p:cNvPr id="3" name="内容占位符 2"/>
           <p:cNvSpPr>
             <a:spLocks noGrp="1"/>
           </p:cNvSpPr>
@@ -3257,7 +3236,7 @@
           <a:p>
             <a:r>
               <a:rPr lang="zh-CN" altLang="en-US" dirty="0"/>
-              <a:t>衡量一个算法的快慢，一定要考虑数据规模的大小。所谓数据规模，一般指输入的数字个数、输入中给出的图的点数与边数等等。一般来说，数据规模越大，算法的用时就越长。而在算法竞赛中，我们衡量一个算法的效率时，最重要的不是看它在某个数据规模下的用时，而是看它的用时随数据规模而增长的趋势，即 </a:t>
+              <a:t>衡量一个算法的快慢，一定要考虑数据规模的大小。所谓数据规模，一般指输入的数字多少、输入中给出的图的点数与边数等等。一般来说，数据规模越大，算法的用时就越长。而在算法竞赛中，我们衡量一个算法的效率时，最重要的不是看它在某个数据规模下的用时，而是看它的用时随数据规模而增长的趋势，即 </a:t>
             </a:r>
             <a:r>
               <a:rPr lang="zh-CN" altLang="en-US" b="1" dirty="0"/>
@@ -3265,17 +3244,17 @@
             </a:r>
             <a:r>
               <a:rPr lang="zh-CN" altLang="en-US" dirty="0"/>
-              <a:t>。</a:t>
-            </a:r>
+              <a:t>。其实，在我看来，就是用输入的数据规模来计算基本操作数的</a:t>
+            </a:r>
+            <a:r>
+              <a:rPr lang="zh-CN" altLang="en-US" dirty="0"/>
+              <a:t>数量。</a:t>
+            </a:r>
+            <a:endParaRPr lang="zh-CN" altLang="en-US" dirty="0"/>
           </a:p>
         </p:txBody>
       </p:sp>
     </p:spTree>
-    <p:extLst>
-      <p:ext uri="{BB962C8B-B14F-4D97-AF65-F5344CB8AC3E}">
-        <p14:creationId xmlns:p14="http://schemas.microsoft.com/office/powerpoint/2010/main" val="2633872280"/>
-      </p:ext>
-    </p:extLst>
   </p:cSld>
   <p:clrMapOvr>
     <a:masterClrMapping/>
@@ -3302,13 +3281,7 @@
       </p:grpSpPr>
       <p:sp>
         <p:nvSpPr>
-          <p:cNvPr id="2" name="标题 1">
-            <a:extLst>
-              <a:ext uri="{FF2B5EF4-FFF2-40B4-BE49-F238E27FC236}">
-                <a16:creationId xmlns:a16="http://schemas.microsoft.com/office/drawing/2014/main" id="{C79164AC-42B5-D2FF-AD09-368B3A6CEA0A}"/>
-              </a:ext>
-            </a:extLst>
-          </p:cNvPr>
+          <p:cNvPr id="2" name="标题 1"/>
           <p:cNvSpPr>
             <a:spLocks noGrp="1"/>
           </p:cNvSpPr>
@@ -3321,62 +3294,63 @@
           <a:bodyPr/>
           <a:lstStyle/>
           <a:p>
+            <a:endParaRPr lang="zh-CN" altLang="en-US" dirty="0"/>
+          </a:p>
+        </p:txBody>
+      </p:sp>
+      <p:sp>
+        <p:nvSpPr>
+          <p:cNvPr id="3" name="内容占位符 2"/>
+          <p:cNvSpPr>
+            <a:spLocks noGrp="1"/>
+          </p:cNvSpPr>
+          <p:nvPr>
+            <p:ph idx="1"/>
+          </p:nvPr>
+        </p:nvSpPr>
+        <p:spPr/>
+        <p:txBody>
+          <a:bodyPr/>
+          <a:lstStyle/>
+          <a:p>
             <a:r>
               <a:rPr lang="zh-CN" altLang="en-US" dirty="0"/>
-              <a:t>复杂度</a:t>
-            </a:r>
-          </a:p>
-        </p:txBody>
-      </p:sp>
-      <p:sp>
-        <p:nvSpPr>
-          <p:cNvPr id="3" name="内容占位符 2">
-            <a:extLst>
-              <a:ext uri="{FF2B5EF4-FFF2-40B4-BE49-F238E27FC236}">
-                <a16:creationId xmlns:a16="http://schemas.microsoft.com/office/drawing/2014/main" id="{9C250ECC-0B29-D708-99C5-D45D7E7FC3F6}"/>
-              </a:ext>
-            </a:extLst>
-          </p:cNvPr>
-          <p:cNvSpPr>
-            <a:spLocks noGrp="1"/>
-          </p:cNvSpPr>
-          <p:nvPr>
-            <p:ph idx="1"/>
-          </p:nvPr>
-        </p:nvSpPr>
-        <p:spPr/>
-        <p:txBody>
-          <a:bodyPr/>
-          <a:lstStyle/>
-          <a:p>
+              <a:t>当然，算法的运行用时并非完全由输入规模决定，而是也与输入的内容相关</a:t>
+            </a:r>
+            <a:r>
+              <a:rPr lang="en-US" altLang="zh-CN" dirty="0"/>
+              <a:t>,</a:t>
+            </a:r>
             <a:r>
               <a:rPr lang="zh-CN" altLang="en-US" dirty="0"/>
-              <a:t>当然，算法的运行用时并非完全由输入规模决定，而是也与输入的内容相关。所以，时间复杂度又分为几种，例如：</a:t>
-            </a:r>
+              <a:t>就是说在不同的操作下，算法会进入不同的逻辑，就会导致操作数有些许</a:t>
+            </a:r>
+            <a:r>
+              <a:rPr lang="zh-CN" altLang="en-US" dirty="0"/>
+              <a:t>不同。所以，时间复杂度又分为几种，例如：</a:t>
+            </a:r>
+            <a:endParaRPr lang="zh-CN" altLang="en-US" dirty="0"/>
           </a:p>
           <a:p>
             <a:r>
               <a:rPr lang="zh-CN" altLang="en-US" dirty="0"/>
               <a:t>最坏时间复杂度，即每个输入规模下用时最长的输入对应的时间复杂度。在算法竞赛中，由于输入可以在给定的数据范围内任意给定，我们为保证算法能够通过某个数据范围内的任何数据，一般考虑最坏时间复杂度。</a:t>
             </a:r>
+            <a:endParaRPr lang="zh-CN" altLang="en-US" dirty="0"/>
           </a:p>
           <a:p>
             <a:r>
               <a:rPr lang="zh-CN" altLang="en-US" dirty="0"/>
               <a:t>平均（期望）时间复杂度，即每个输入规模下所有可能输入对应用时的平均值的复杂度（随机输入下期望用时的复杂度）。</a:t>
             </a:r>
-          </a:p>
-          <a:p>
             <a:endParaRPr lang="zh-CN" altLang="en-US" dirty="0"/>
           </a:p>
+          <a:p>
+            <a:endParaRPr lang="zh-CN" altLang="en-US" dirty="0"/>
+          </a:p>
         </p:txBody>
       </p:sp>
     </p:spTree>
-    <p:extLst>
-      <p:ext uri="{BB962C8B-B14F-4D97-AF65-F5344CB8AC3E}">
-        <p14:creationId xmlns:p14="http://schemas.microsoft.com/office/powerpoint/2010/main" val="2429399360"/>
-      </p:ext>
-    </p:extLst>
   </p:cSld>
   <p:clrMapOvr>
     <a:masterClrMapping/>
@@ -3403,13 +3377,7 @@
       </p:grpSpPr>
       <p:sp>
         <p:nvSpPr>
-          <p:cNvPr id="2" name="标题 1">
-            <a:extLst>
-              <a:ext uri="{FF2B5EF4-FFF2-40B4-BE49-F238E27FC236}">
-                <a16:creationId xmlns:a16="http://schemas.microsoft.com/office/drawing/2014/main" id="{40DAA95E-4EF3-53D1-26F3-D702958C13CA}"/>
-              </a:ext>
-            </a:extLst>
-          </p:cNvPr>
+          <p:cNvPr id="2" name="标题 1"/>
           <p:cNvSpPr>
             <a:spLocks noGrp="1"/>
           </p:cNvSpPr>
@@ -3445,13 +3413,7 @@
         <mc:Choice xmlns:a14="http://schemas.microsoft.com/office/drawing/2010/main" Requires="a14">
           <p:sp>
             <p:nvSpPr>
-              <p:cNvPr id="3" name="内容占位符 2">
-                <a:extLst>
-                  <a:ext uri="{FF2B5EF4-FFF2-40B4-BE49-F238E27FC236}">
-                    <a16:creationId xmlns:a16="http://schemas.microsoft.com/office/drawing/2014/main" id="{FE543391-21D1-2E26-E7E8-D24B802EC5FB}"/>
-                  </a:ext>
-                </a:extLst>
-              </p:cNvPr>
+              <p:cNvPr id="3" name="内容占位符 2"/>
               <p:cNvSpPr>
                 <a:spLocks noGrp="1"/>
               </p:cNvSpPr>
@@ -3468,15 +3430,6 @@
                   <a:rPr lang="zh-CN" altLang="en-US" b="1" dirty="0"/>
                   <a:t>研究时间复杂度时，我们关注的通常是程序用时的上界，而不关心其用时的下界。</a:t>
                 </a:r>
-                <a:endParaRPr lang="en-US" altLang="zh-CN" b="1" dirty="0"/>
-              </a:p>
-              <a:p>
-                <a:endParaRPr lang="en-US" altLang="zh-CN" b="1" dirty="0"/>
-              </a:p>
-              <a:p>
-                <a:endParaRPr lang="en-US" altLang="zh-CN" b="1" dirty="0"/>
-              </a:p>
-              <a:p>
                 <a:endParaRPr lang="en-US" altLang="zh-CN" b="1" dirty="0"/>
               </a:p>
               <a:p>
@@ -3550,6 +3503,7 @@
                   <a:rPr lang="en-US" altLang="zh-CN" b="1" dirty="0"/>
                   <a:t>)</a:t>
                 </a:r>
+                <a:endParaRPr lang="en-US" altLang="zh-CN" b="1" dirty="0"/>
               </a:p>
               <a:p>
                 <a:r>
@@ -3622,6 +3576,7 @@
                   <a:rPr lang="en-US" altLang="zh-CN" b="1" dirty="0"/>
                   <a:t> )</a:t>
                 </a:r>
+                <a:endParaRPr lang="en-US" altLang="zh-CN" b="1" dirty="0"/>
               </a:p>
             </p:txBody>
           </p:sp>
@@ -3629,25 +3584,19 @@
         <mc:Fallback>
           <p:sp>
             <p:nvSpPr>
-              <p:cNvPr id="3" name="内容占位符 2">
-                <a:extLst>
-                  <a:ext uri="{FF2B5EF4-FFF2-40B4-BE49-F238E27FC236}">
-                    <a16:creationId xmlns:a16="http://schemas.microsoft.com/office/drawing/2014/main" id="{FE543391-21D1-2E26-E7E8-D24B802EC5FB}"/>
-                  </a:ext>
-                </a:extLst>
-              </p:cNvPr>
+              <p:cNvPr id="3" name="内容占位符 2"/>
               <p:cNvSpPr>
-                <a:spLocks noGrp="1" noRot="1" noChangeAspect="1" noMove="1" noResize="1" noEditPoints="1" noAdjustHandles="1" noChangeArrowheads="1" noChangeShapeType="1" noTextEdit="1"/>
+                <a:spLocks noRot="1" noChangeAspect="1" noMove="1" noResize="1" noEditPoints="1" noAdjustHandles="1" noChangeArrowheads="1" noChangeShapeType="1" noTextEdit="1"/>
               </p:cNvSpPr>
               <p:nvPr>
                 <p:ph idx="1"/>
               </p:nvPr>
             </p:nvSpPr>
             <p:spPr>
-              <a:blipFill>
-                <a:blip r:embed="rId2"/>
+              <a:blipFill rotWithShape="1">
+                <a:blip r:embed="rId1"/>
                 <a:stretch>
-                  <a:fillRect l="-1043" t="-2381"/>
+                  <a:fillRect t="-467" b="7"/>
                 </a:stretch>
               </a:blipFill>
             </p:spPr>
@@ -3668,56 +3617,14 @@
       </mc:AlternateContent>
       <p:pic>
         <p:nvPicPr>
-          <p:cNvPr id="7" name="图片 6" descr="图片包含 图示&#10;&#10;AI 生成的内容可能不正确。">
-            <a:extLst>
-              <a:ext uri="{FF2B5EF4-FFF2-40B4-BE49-F238E27FC236}">
-                <a16:creationId xmlns:a16="http://schemas.microsoft.com/office/drawing/2014/main" id="{D9A398E2-730C-B070-C0FA-3176780392A7}"/>
-              </a:ext>
-            </a:extLst>
-          </p:cNvPr>
+          <p:cNvPr id="9" name="图片 8"/>
           <p:cNvPicPr>
             <a:picLocks noChangeAspect="1"/>
           </p:cNvPicPr>
           <p:nvPr/>
         </p:nvPicPr>
         <p:blipFill>
-          <a:blip r:embed="rId3">
-            <a:extLst>
-              <a:ext uri="{28A0092B-C50C-407E-A947-70E740481C1C}">
-                <a14:useLocalDpi xmlns:a14="http://schemas.microsoft.com/office/drawing/2010/main" val="0"/>
-              </a:ext>
-            </a:extLst>
-          </a:blip>
-          <a:stretch>
-            <a:fillRect/>
-          </a:stretch>
-        </p:blipFill>
-        <p:spPr>
-          <a:xfrm>
-            <a:off x="1153168" y="2715240"/>
-            <a:ext cx="7259063" cy="1286054"/>
-          </a:xfrm>
-          <a:prstGeom prst="rect">
-            <a:avLst/>
-          </a:prstGeom>
-        </p:spPr>
-      </p:pic>
-      <p:pic>
-        <p:nvPicPr>
-          <p:cNvPr id="9" name="图片 8">
-            <a:extLst>
-              <a:ext uri="{FF2B5EF4-FFF2-40B4-BE49-F238E27FC236}">
-                <a16:creationId xmlns:a16="http://schemas.microsoft.com/office/drawing/2014/main" id="{72AB4464-D9B9-E33A-AC0B-47B311FA7E2E}"/>
-              </a:ext>
-            </a:extLst>
-          </p:cNvPr>
-          <p:cNvPicPr>
-            <a:picLocks noChangeAspect="1"/>
-          </p:cNvPicPr>
-          <p:nvPr/>
-        </p:nvPicPr>
-        <p:blipFill>
-          <a:blip r:embed="rId4">
+          <a:blip r:embed="rId2">
             <a:extLst>
               <a:ext uri="{28A0092B-C50C-407E-A947-70E740481C1C}">
                 <a14:useLocalDpi xmlns:a14="http://schemas.microsoft.com/office/drawing/2010/main" val="0"/>
@@ -3739,11 +3646,6 @@
         </p:spPr>
       </p:pic>
     </p:spTree>
-    <p:extLst>
-      <p:ext uri="{BB962C8B-B14F-4D97-AF65-F5344CB8AC3E}">
-        <p14:creationId xmlns:p14="http://schemas.microsoft.com/office/powerpoint/2010/main" val="789646633"/>
-      </p:ext>
-    </p:extLst>
   </p:cSld>
   <p:clrMapOvr>
     <a:masterClrMapping/>
@@ -3770,13 +3672,7 @@
       </p:grpSpPr>
       <p:sp>
         <p:nvSpPr>
-          <p:cNvPr id="2" name="标题 1">
-            <a:extLst>
-              <a:ext uri="{FF2B5EF4-FFF2-40B4-BE49-F238E27FC236}">
-                <a16:creationId xmlns:a16="http://schemas.microsoft.com/office/drawing/2014/main" id="{6A05085F-8037-780F-22B4-A4802BFB2140}"/>
-              </a:ext>
-            </a:extLst>
-          </p:cNvPr>
+          <p:cNvPr id="2" name="标题 1"/>
           <p:cNvSpPr>
             <a:spLocks noGrp="1"/>
           </p:cNvSpPr>
@@ -3793,18 +3689,13 @@
               <a:rPr lang="zh-CN" altLang="en-US" dirty="0"/>
               <a:t>其他</a:t>
             </a:r>
-          </a:p>
-        </p:txBody>
-      </p:sp>
-      <p:sp>
-        <p:nvSpPr>
-          <p:cNvPr id="3" name="内容占位符 2">
-            <a:extLst>
-              <a:ext uri="{FF2B5EF4-FFF2-40B4-BE49-F238E27FC236}">
-                <a16:creationId xmlns:a16="http://schemas.microsoft.com/office/drawing/2014/main" id="{4AB2F961-5BBC-55EA-94A2-96E48317B9A8}"/>
-              </a:ext>
-            </a:extLst>
-          </p:cNvPr>
+            <a:endParaRPr lang="zh-CN" altLang="en-US" dirty="0"/>
+          </a:p>
+        </p:txBody>
+      </p:sp>
+      <p:sp>
+        <p:nvSpPr>
+          <p:cNvPr id="3" name="内容占位符 2"/>
           <p:cNvSpPr>
             <a:spLocks noGrp="1"/>
           </p:cNvSpPr>
@@ -3829,6 +3720,7 @@
               <a:rPr lang="en-US" altLang="zh-CN" dirty="0"/>
               <a:t>)</a:t>
             </a:r>
+            <a:endParaRPr lang="en-US" altLang="zh-CN" dirty="0"/>
           </a:p>
           <a:p>
             <a:pPr marL="0" indent="0">
@@ -3851,11 +3743,6 @@
         </p:txBody>
       </p:sp>
     </p:spTree>
-    <p:extLst>
-      <p:ext uri="{BB962C8B-B14F-4D97-AF65-F5344CB8AC3E}">
-        <p14:creationId xmlns:p14="http://schemas.microsoft.com/office/powerpoint/2010/main" val="1352581277"/>
-      </p:ext>
-    </p:extLst>
   </p:cSld>
   <p:clrMapOvr>
     <a:masterClrMapping/>
@@ -4106,8 +3993,6 @@
       </a:bgFillStyleLst>
     </a:fmtScheme>
   </a:themeElements>
-  <a:objectDefaults/>
-  <a:extraClrSchemeLst/>
   <a:extLst>
     <a:ext uri="{05A4C25C-085E-4340-85A3-A5531E510DB2}">
       <thm15:themeFamily xmlns:thm15="http://schemas.microsoft.com/office/thememl/2012/main" name="Office Theme" id="{62F939B6-93AF-4DB8-9C6B-D6C7DFDC589F}" vid="{4A3C46E8-61CC-4603-A589-7422A47A8E4A}"/>
